--- a/project 3/Проект 3.pptx
+++ b/project 3/Проект 3.pptx
@@ -109,6 +109,11 @@
       </a:defRPr>
     </a:lvl9pPr>
   </p:defaultTextStyle>
+  <p:extLst>
+    <p:ext uri="{EFAFB233-063F-42B5-8137-9DF3F51BA10A}">
+      <p15:sldGuideLst xmlns:p15="http://schemas.microsoft.com/office/powerpoint/2012/main"/>
+    </p:ext>
+  </p:extLst>
 </p:presentation>
 </file>
 
@@ -896,6 +901,18 @@
   <p:clrMapOvr>
     <a:masterClrMapping/>
   </p:clrMapOvr>
+  <mc:AlternateContent xmlns:mc="http://schemas.openxmlformats.org/markup-compatibility/2006">
+    <mc:Choice xmlns:p14="http://schemas.microsoft.com/office/powerpoint/2010/main" Requires="p14">
+      <p:transition spd="slow" p14:dur="3900">
+        <p14:glitter pattern="hexagon"/>
+      </p:transition>
+    </mc:Choice>
+    <mc:Fallback>
+      <p:transition spd="slow">
+        <p:fade/>
+      </p:transition>
+    </mc:Fallback>
+  </mc:AlternateContent>
 </p:sldLayout>
 </file>
 
@@ -1149,6 +1166,18 @@
   <p:clrMapOvr>
     <a:masterClrMapping/>
   </p:clrMapOvr>
+  <mc:AlternateContent xmlns:mc="http://schemas.openxmlformats.org/markup-compatibility/2006">
+    <mc:Choice xmlns:p14="http://schemas.microsoft.com/office/powerpoint/2010/main" Requires="p14">
+      <p:transition spd="slow" p14:dur="3900">
+        <p14:glitter pattern="hexagon"/>
+      </p:transition>
+    </mc:Choice>
+    <mc:Fallback>
+      <p:transition spd="slow">
+        <p:fade/>
+      </p:transition>
+    </mc:Fallback>
+  </mc:AlternateContent>
 </p:sldLayout>
 </file>
 
@@ -1541,6 +1570,18 @@
   <p:clrMapOvr>
     <a:masterClrMapping/>
   </p:clrMapOvr>
+  <mc:AlternateContent xmlns:mc="http://schemas.openxmlformats.org/markup-compatibility/2006">
+    <mc:Choice xmlns:p14="http://schemas.microsoft.com/office/powerpoint/2010/main" Requires="p14">
+      <p:transition spd="slow" p14:dur="3900">
+        <p14:glitter pattern="hexagon"/>
+      </p:transition>
+    </mc:Choice>
+    <mc:Fallback>
+      <p:transition spd="slow">
+        <p:fade/>
+      </p:transition>
+    </mc:Fallback>
+  </mc:AlternateContent>
 </p:sldLayout>
 </file>
 
@@ -1794,6 +1835,18 @@
   <p:clrMapOvr>
     <a:masterClrMapping/>
   </p:clrMapOvr>
+  <mc:AlternateContent xmlns:mc="http://schemas.openxmlformats.org/markup-compatibility/2006">
+    <mc:Choice xmlns:p14="http://schemas.microsoft.com/office/powerpoint/2010/main" Requires="p14">
+      <p:transition spd="slow" p14:dur="3900">
+        <p14:glitter pattern="hexagon"/>
+      </p:transition>
+    </mc:Choice>
+    <mc:Fallback>
+      <p:transition spd="slow">
+        <p:fade/>
+      </p:transition>
+    </mc:Fallback>
+  </mc:AlternateContent>
 </p:sldLayout>
 </file>
 
@@ -2186,6 +2239,18 @@
   <p:clrMapOvr>
     <a:masterClrMapping/>
   </p:clrMapOvr>
+  <mc:AlternateContent xmlns:mc="http://schemas.openxmlformats.org/markup-compatibility/2006">
+    <mc:Choice xmlns:p14="http://schemas.microsoft.com/office/powerpoint/2010/main" Requires="p14">
+      <p:transition spd="slow" p14:dur="3900">
+        <p14:glitter pattern="hexagon"/>
+      </p:transition>
+    </mc:Choice>
+    <mc:Fallback>
+      <p:transition spd="slow">
+        <p:fade/>
+      </p:transition>
+    </mc:Fallback>
+  </mc:AlternateContent>
 </p:sldLayout>
 </file>
 
@@ -2499,6 +2564,18 @@
   <p:clrMapOvr>
     <a:masterClrMapping/>
   </p:clrMapOvr>
+  <mc:AlternateContent xmlns:mc="http://schemas.openxmlformats.org/markup-compatibility/2006">
+    <mc:Choice xmlns:p14="http://schemas.microsoft.com/office/powerpoint/2010/main" Requires="p14">
+      <p:transition spd="slow" p14:dur="3900">
+        <p14:glitter pattern="hexagon"/>
+      </p:transition>
+    </mc:Choice>
+    <mc:Fallback>
+      <p:transition spd="slow">
+        <p:fade/>
+      </p:transition>
+    </mc:Fallback>
+  </mc:AlternateContent>
 </p:sldLayout>
 </file>
 
@@ -2669,6 +2746,18 @@
   <p:clrMapOvr>
     <a:masterClrMapping/>
   </p:clrMapOvr>
+  <mc:AlternateContent xmlns:mc="http://schemas.openxmlformats.org/markup-compatibility/2006">
+    <mc:Choice xmlns:p14="http://schemas.microsoft.com/office/powerpoint/2010/main" Requires="p14">
+      <p:transition spd="slow" p14:dur="3900">
+        <p14:glitter pattern="hexagon"/>
+      </p:transition>
+    </mc:Choice>
+    <mc:Fallback>
+      <p:transition spd="slow">
+        <p:fade/>
+      </p:transition>
+    </mc:Fallback>
+  </mc:AlternateContent>
 </p:sldLayout>
 </file>
 
@@ -2851,6 +2940,18 @@
   <p:clrMapOvr>
     <a:masterClrMapping/>
   </p:clrMapOvr>
+  <mc:AlternateContent xmlns:mc="http://schemas.openxmlformats.org/markup-compatibility/2006">
+    <mc:Choice xmlns:p14="http://schemas.microsoft.com/office/powerpoint/2010/main" Requires="p14">
+      <p:transition spd="slow" p14:dur="3900">
+        <p14:glitter pattern="hexagon"/>
+      </p:transition>
+    </mc:Choice>
+    <mc:Fallback>
+      <p:transition spd="slow">
+        <p:fade/>
+      </p:transition>
+    </mc:Fallback>
+  </mc:AlternateContent>
 </p:sldLayout>
 </file>
 
@@ -3029,6 +3130,18 @@
   <p:clrMapOvr>
     <a:masterClrMapping/>
   </p:clrMapOvr>
+  <mc:AlternateContent xmlns:mc="http://schemas.openxmlformats.org/markup-compatibility/2006">
+    <mc:Choice xmlns:p14="http://schemas.microsoft.com/office/powerpoint/2010/main" Requires="p14">
+      <p:transition spd="slow" p14:dur="3900">
+        <p14:glitter pattern="hexagon"/>
+      </p:transition>
+    </mc:Choice>
+    <mc:Fallback>
+      <p:transition spd="slow">
+        <p:fade/>
+      </p:transition>
+    </mc:Fallback>
+  </mc:AlternateContent>
 </p:sldLayout>
 </file>
 
@@ -3278,6 +3391,18 @@
   <p:clrMapOvr>
     <a:masterClrMapping/>
   </p:clrMapOvr>
+  <mc:AlternateContent xmlns:mc="http://schemas.openxmlformats.org/markup-compatibility/2006">
+    <mc:Choice xmlns:p14="http://schemas.microsoft.com/office/powerpoint/2010/main" Requires="p14">
+      <p:transition spd="slow" p14:dur="3900">
+        <p14:glitter pattern="hexagon"/>
+      </p:transition>
+    </mc:Choice>
+    <mc:Fallback>
+      <p:transition spd="slow">
+        <p:fade/>
+      </p:transition>
+    </mc:Fallback>
+  </mc:AlternateContent>
 </p:sldLayout>
 </file>
 
@@ -3510,6 +3635,18 @@
   <p:clrMapOvr>
     <a:masterClrMapping/>
   </p:clrMapOvr>
+  <mc:AlternateContent xmlns:mc="http://schemas.openxmlformats.org/markup-compatibility/2006">
+    <mc:Choice xmlns:p14="http://schemas.microsoft.com/office/powerpoint/2010/main" Requires="p14">
+      <p:transition spd="slow" p14:dur="3900">
+        <p14:glitter pattern="hexagon"/>
+      </p:transition>
+    </mc:Choice>
+    <mc:Fallback>
+      <p:transition spd="slow">
+        <p:fade/>
+      </p:transition>
+    </mc:Fallback>
+  </mc:AlternateContent>
 </p:sldLayout>
 </file>
 
@@ -3886,6 +4023,18 @@
   <p:clrMapOvr>
     <a:masterClrMapping/>
   </p:clrMapOvr>
+  <mc:AlternateContent xmlns:mc="http://schemas.openxmlformats.org/markup-compatibility/2006">
+    <mc:Choice xmlns:p14="http://schemas.microsoft.com/office/powerpoint/2010/main" Requires="p14">
+      <p:transition spd="slow" p14:dur="3900">
+        <p14:glitter pattern="hexagon"/>
+      </p:transition>
+    </mc:Choice>
+    <mc:Fallback>
+      <p:transition spd="slow">
+        <p:fade/>
+      </p:transition>
+    </mc:Fallback>
+  </mc:AlternateContent>
 </p:sldLayout>
 </file>
 
@@ -4011,6 +4160,18 @@
   <p:clrMapOvr>
     <a:masterClrMapping/>
   </p:clrMapOvr>
+  <mc:AlternateContent xmlns:mc="http://schemas.openxmlformats.org/markup-compatibility/2006">
+    <mc:Choice xmlns:p14="http://schemas.microsoft.com/office/powerpoint/2010/main" Requires="p14">
+      <p:transition spd="slow" p14:dur="3900">
+        <p14:glitter pattern="hexagon"/>
+      </p:transition>
+    </mc:Choice>
+    <mc:Fallback>
+      <p:transition spd="slow">
+        <p:fade/>
+      </p:transition>
+    </mc:Fallback>
+  </mc:AlternateContent>
 </p:sldLayout>
 </file>
 
@@ -4108,6 +4269,18 @@
   <p:clrMapOvr>
     <a:masterClrMapping/>
   </p:clrMapOvr>
+  <mc:AlternateContent xmlns:mc="http://schemas.openxmlformats.org/markup-compatibility/2006">
+    <mc:Choice xmlns:p14="http://schemas.microsoft.com/office/powerpoint/2010/main" Requires="p14">
+      <p:transition spd="slow" p14:dur="3900">
+        <p14:glitter pattern="hexagon"/>
+      </p:transition>
+    </mc:Choice>
+    <mc:Fallback>
+      <p:transition spd="slow">
+        <p:fade/>
+      </p:transition>
+    </mc:Fallback>
+  </mc:AlternateContent>
 </p:sldLayout>
 </file>
 
@@ -4363,6 +4536,18 @@
   <p:clrMapOvr>
     <a:masterClrMapping/>
   </p:clrMapOvr>
+  <mc:AlternateContent xmlns:mc="http://schemas.openxmlformats.org/markup-compatibility/2006">
+    <mc:Choice xmlns:p14="http://schemas.microsoft.com/office/powerpoint/2010/main" Requires="p14">
+      <p:transition spd="slow" p14:dur="3900">
+        <p14:glitter pattern="hexagon"/>
+      </p:transition>
+    </mc:Choice>
+    <mc:Fallback>
+      <p:transition spd="slow">
+        <p:fade/>
+      </p:transition>
+    </mc:Fallback>
+  </mc:AlternateContent>
 </p:sldLayout>
 </file>
 
@@ -4628,6 +4813,18 @@
   <p:clrMapOvr>
     <a:masterClrMapping/>
   </p:clrMapOvr>
+  <mc:AlternateContent xmlns:mc="http://schemas.openxmlformats.org/markup-compatibility/2006">
+    <mc:Choice xmlns:p14="http://schemas.microsoft.com/office/powerpoint/2010/main" Requires="p14">
+      <p:transition spd="slow" p14:dur="3900">
+        <p14:glitter pattern="hexagon"/>
+      </p:transition>
+    </mc:Choice>
+    <mc:Fallback>
+      <p:transition spd="slow">
+        <p:fade/>
+      </p:transition>
+    </mc:Fallback>
+  </mc:AlternateContent>
 </p:sldLayout>
 </file>
 
@@ -5425,6 +5622,18 @@
     <p:sldLayoutId id="2147483712" r:id="rId15"/>
     <p:sldLayoutId id="2147483713" r:id="rId16"/>
   </p:sldLayoutIdLst>
+  <mc:AlternateContent xmlns:mc="http://schemas.openxmlformats.org/markup-compatibility/2006">
+    <mc:Choice xmlns:p14="http://schemas.microsoft.com/office/powerpoint/2010/main" Requires="p14">
+      <p:transition spd="slow" p14:dur="3900">
+        <p14:glitter pattern="hexagon"/>
+      </p:transition>
+    </mc:Choice>
+    <mc:Fallback>
+      <p:transition spd="slow">
+        <p:fade/>
+      </p:transition>
+    </mc:Fallback>
+  </mc:AlternateContent>
   <p:txStyles>
     <p:titleStyle>
       <a:lvl1pPr algn="l" defTabSz="457200" rtl="0" eaLnBrk="1" latinLnBrk="0" hangingPunct="1">
@@ -5941,6 +6150,18 @@
   <p:clrMapOvr>
     <a:masterClrMapping/>
   </p:clrMapOvr>
+  <mc:AlternateContent xmlns:mc="http://schemas.openxmlformats.org/markup-compatibility/2006">
+    <mc:Choice xmlns:p14="http://schemas.microsoft.com/office/powerpoint/2010/main" Requires="p14">
+      <p:transition spd="slow" p14:dur="3900">
+        <p14:glitter pattern="hexagon"/>
+      </p:transition>
+    </mc:Choice>
+    <mc:Fallback>
+      <p:transition spd="slow">
+        <p:fade/>
+      </p:transition>
+    </mc:Fallback>
+  </mc:AlternateContent>
 </p:sld>
 </file>
 
@@ -6061,6 +6282,18 @@
   <p:clrMapOvr>
     <a:masterClrMapping/>
   </p:clrMapOvr>
+  <mc:AlternateContent xmlns:mc="http://schemas.openxmlformats.org/markup-compatibility/2006">
+    <mc:Choice xmlns:p14="http://schemas.microsoft.com/office/powerpoint/2010/main" Requires="p14">
+      <p:transition spd="slow" p14:dur="3900">
+        <p14:glitter pattern="hexagon"/>
+      </p:transition>
+    </mc:Choice>
+    <mc:Fallback>
+      <p:transition spd="slow">
+        <p:fade/>
+      </p:transition>
+    </mc:Fallback>
+  </mc:AlternateContent>
 </p:sld>
 </file>
 
@@ -6151,6 +6384,18 @@
   <p:clrMapOvr>
     <a:masterClrMapping/>
   </p:clrMapOvr>
+  <mc:AlternateContent xmlns:mc="http://schemas.openxmlformats.org/markup-compatibility/2006">
+    <mc:Choice xmlns:p14="http://schemas.microsoft.com/office/powerpoint/2010/main" Requires="p14">
+      <p:transition spd="slow" p14:dur="3900">
+        <p14:glitter pattern="hexagon"/>
+      </p:transition>
+    </mc:Choice>
+    <mc:Fallback>
+      <p:transition spd="slow">
+        <p:fade/>
+      </p:transition>
+    </mc:Fallback>
+  </mc:AlternateContent>
 </p:sld>
 </file>
 
@@ -6271,6 +6516,18 @@
   <p:clrMapOvr>
     <a:masterClrMapping/>
   </p:clrMapOvr>
+  <mc:AlternateContent xmlns:mc="http://schemas.openxmlformats.org/markup-compatibility/2006">
+    <mc:Choice xmlns:p14="http://schemas.microsoft.com/office/powerpoint/2010/main" Requires="p14">
+      <p:transition spd="slow" p14:dur="3900">
+        <p14:glitter pattern="hexagon"/>
+      </p:transition>
+    </mc:Choice>
+    <mc:Fallback>
+      <p:transition spd="slow">
+        <p:fade/>
+      </p:transition>
+    </mc:Fallback>
+  </mc:AlternateContent>
 </p:sld>
 </file>
 
@@ -6331,6 +6588,18 @@
   <p:clrMapOvr>
     <a:masterClrMapping/>
   </p:clrMapOvr>
+  <mc:AlternateContent xmlns:mc="http://schemas.openxmlformats.org/markup-compatibility/2006">
+    <mc:Choice xmlns:p14="http://schemas.microsoft.com/office/powerpoint/2010/main" Requires="p14">
+      <p:transition spd="slow" p14:dur="3900">
+        <p14:glitter pattern="hexagon"/>
+      </p:transition>
+    </mc:Choice>
+    <mc:Fallback>
+      <p:transition spd="slow">
+        <p:fade/>
+      </p:transition>
+    </mc:Fallback>
+  </mc:AlternateContent>
 </p:sld>
 </file>
 
@@ -6406,6 +6675,18 @@
   <p:clrMapOvr>
     <a:masterClrMapping/>
   </p:clrMapOvr>
+  <mc:AlternateContent xmlns:mc="http://schemas.openxmlformats.org/markup-compatibility/2006">
+    <mc:Choice xmlns:p14="http://schemas.microsoft.com/office/powerpoint/2010/main" Requires="p14">
+      <p:transition spd="slow" p14:dur="3900">
+        <p14:glitter pattern="hexagon"/>
+      </p:transition>
+    </mc:Choice>
+    <mc:Fallback>
+      <p:transition spd="slow">
+        <p:fade/>
+      </p:transition>
+    </mc:Fallback>
+  </mc:AlternateContent>
 </p:sld>
 </file>
 
